--- a/Images/Figures_PPT/ComponentsRhodophytaPieChart.pptx
+++ b/Images/Figures_PPT/ComponentsRhodophytaPieChart.pptx
@@ -3039,7 +3039,7 @@
               </a:pathLst>
             </a:custGeom>
             <a:solidFill>
-              <a:srgbClr val="F8766D">
+              <a:srgbClr val="9CC5A1">
                 <a:alpha val="100000"/>
               </a:srgbClr>
             </a:solidFill>

--- a/Images/Figures_PPT/ComponentsRhodophytaPieChart.pptx
+++ b/Images/Figures_PPT/ComponentsRhodophytaPieChart.pptx
@@ -3113,8 +3113,8 @@
           </p:nvSpPr>
           <p:spPr>
             <a:xfrm>
-              <a:off x="5335702" y="5537859"/>
-              <a:ext cx="301395" cy="155832"/>
+              <a:off x="5148904" y="5530130"/>
+              <a:ext cx="674990" cy="163560"/>
             </a:xfrm>
             <a:prstGeom prst="rect">
               <a:avLst/>
@@ -3146,7 +3146,7 @@
                   <a:latin typeface="Arial"/>
                   <a:cs typeface="Arial"/>
                 </a:rPr>
-                <a:t> 14</a:t>
+                <a:t> 100 %</a:t>
               </a:r>
             </a:p>
           </p:txBody>
